--- a/Techbugs_4005.pptx
+++ b/Techbugs_4005.pptx
@@ -12,6 +12,15 @@
     <p:sldId id="260" r:id="rId6"/>
     <p:sldId id="261" r:id="rId7"/>
     <p:sldId id="262" r:id="rId8"/>
+    <p:sldId id="263" r:id="rId9"/>
+    <p:sldId id="264" r:id="rId10"/>
+    <p:sldId id="265" r:id="rId11"/>
+    <p:sldId id="266" r:id="rId12"/>
+    <p:sldId id="267" r:id="rId13"/>
+    <p:sldId id="268" r:id="rId14"/>
+    <p:sldId id="270" r:id="rId15"/>
+    <p:sldId id="271" r:id="rId16"/>
+    <p:sldId id="272" r:id="rId17"/>
   </p:sldIdLst>
   <p:sldSz cx="12192000" cy="6858000"/>
   <p:notesSz cx="6858000" cy="9144000"/>
@@ -265,7 +274,7 @@
           <a:p>
             <a:fld id="{99F52D23-E898-43FF-8E72-66D037D471BE}" type="datetimeFigureOut">
               <a:rPr lang="en-US" smtClean="0"/>
-              <a:t>2/19/2024</a:t>
+              <a:t>3/30/2024</a:t>
             </a:fld>
             <a:endParaRPr lang="en-US"/>
           </a:p>
@@ -463,7 +472,7 @@
           <a:p>
             <a:fld id="{99F52D23-E898-43FF-8E72-66D037D471BE}" type="datetimeFigureOut">
               <a:rPr lang="en-US" smtClean="0"/>
-              <a:t>2/19/2024</a:t>
+              <a:t>3/30/2024</a:t>
             </a:fld>
             <a:endParaRPr lang="en-US"/>
           </a:p>
@@ -671,7 +680,7 @@
           <a:p>
             <a:fld id="{99F52D23-E898-43FF-8E72-66D037D471BE}" type="datetimeFigureOut">
               <a:rPr lang="en-US" smtClean="0"/>
-              <a:t>2/19/2024</a:t>
+              <a:t>3/30/2024</a:t>
             </a:fld>
             <a:endParaRPr lang="en-US"/>
           </a:p>
@@ -869,7 +878,7 @@
           <a:p>
             <a:fld id="{99F52D23-E898-43FF-8E72-66D037D471BE}" type="datetimeFigureOut">
               <a:rPr lang="en-US" smtClean="0"/>
-              <a:t>2/19/2024</a:t>
+              <a:t>3/30/2024</a:t>
             </a:fld>
             <a:endParaRPr lang="en-US"/>
           </a:p>
@@ -1144,7 +1153,7 @@
           <a:p>
             <a:fld id="{99F52D23-E898-43FF-8E72-66D037D471BE}" type="datetimeFigureOut">
               <a:rPr lang="en-US" smtClean="0"/>
-              <a:t>2/19/2024</a:t>
+              <a:t>3/30/2024</a:t>
             </a:fld>
             <a:endParaRPr lang="en-US"/>
           </a:p>
@@ -1409,7 +1418,7 @@
           <a:p>
             <a:fld id="{99F52D23-E898-43FF-8E72-66D037D471BE}" type="datetimeFigureOut">
               <a:rPr lang="en-US" smtClean="0"/>
-              <a:t>2/19/2024</a:t>
+              <a:t>3/30/2024</a:t>
             </a:fld>
             <a:endParaRPr lang="en-US"/>
           </a:p>
@@ -1821,7 +1830,7 @@
           <a:p>
             <a:fld id="{99F52D23-E898-43FF-8E72-66D037D471BE}" type="datetimeFigureOut">
               <a:rPr lang="en-US" smtClean="0"/>
-              <a:t>2/19/2024</a:t>
+              <a:t>3/30/2024</a:t>
             </a:fld>
             <a:endParaRPr lang="en-US"/>
           </a:p>
@@ -1962,7 +1971,7 @@
           <a:p>
             <a:fld id="{99F52D23-E898-43FF-8E72-66D037D471BE}" type="datetimeFigureOut">
               <a:rPr lang="en-US" smtClean="0"/>
-              <a:t>2/19/2024</a:t>
+              <a:t>3/30/2024</a:t>
             </a:fld>
             <a:endParaRPr lang="en-US"/>
           </a:p>
@@ -2075,7 +2084,7 @@
           <a:p>
             <a:fld id="{99F52D23-E898-43FF-8E72-66D037D471BE}" type="datetimeFigureOut">
               <a:rPr lang="en-US" smtClean="0"/>
-              <a:t>2/19/2024</a:t>
+              <a:t>3/30/2024</a:t>
             </a:fld>
             <a:endParaRPr lang="en-US"/>
           </a:p>
@@ -2386,7 +2395,7 @@
           <a:p>
             <a:fld id="{99F52D23-E898-43FF-8E72-66D037D471BE}" type="datetimeFigureOut">
               <a:rPr lang="en-US" smtClean="0"/>
-              <a:t>2/19/2024</a:t>
+              <a:t>3/30/2024</a:t>
             </a:fld>
             <a:endParaRPr lang="en-US"/>
           </a:p>
@@ -2674,7 +2683,7 @@
           <a:p>
             <a:fld id="{99F52D23-E898-43FF-8E72-66D037D471BE}" type="datetimeFigureOut">
               <a:rPr lang="en-US" smtClean="0"/>
-              <a:t>2/19/2024</a:t>
+              <a:t>3/30/2024</a:t>
             </a:fld>
             <a:endParaRPr lang="en-US"/>
           </a:p>
@@ -2915,7 +2924,7 @@
           <a:p>
             <a:fld id="{99F52D23-E898-43FF-8E72-66D037D471BE}" type="datetimeFigureOut">
               <a:rPr lang="en-US" smtClean="0"/>
-              <a:t>2/19/2024</a:t>
+              <a:t>3/30/2024</a:t>
             </a:fld>
             <a:endParaRPr lang="en-US"/>
           </a:p>
@@ -3566,6 +3575,560 @@
 </p:sld>
 </file>
 
+<file path=ppt/slides/slide10.xml><?xml version="1.0" encoding="utf-8"?>
+<p:sld xmlns:a="http://schemas.openxmlformats.org/drawingml/2006/main" xmlns:r="http://schemas.openxmlformats.org/officeDocument/2006/relationships" xmlns:p="http://schemas.openxmlformats.org/presentationml/2006/main">
+  <p:cSld>
+    <p:spTree>
+      <p:nvGrpSpPr>
+        <p:cNvPr id="1" name=""/>
+        <p:cNvGrpSpPr/>
+        <p:nvPr/>
+      </p:nvGrpSpPr>
+      <p:grpSpPr>
+        <a:xfrm>
+          <a:off x="0" y="0"/>
+          <a:ext cx="0" cy="0"/>
+          <a:chOff x="0" y="0"/>
+          <a:chExt cx="0" cy="0"/>
+        </a:xfrm>
+      </p:grpSpPr>
+      <p:pic>
+        <p:nvPicPr>
+          <p:cNvPr id="3" name="Picture 2">
+            <a:extLst>
+              <a:ext uri="{FF2B5EF4-FFF2-40B4-BE49-F238E27FC236}">
+                <a16:creationId xmlns:a16="http://schemas.microsoft.com/office/drawing/2014/main" id="{F0E81C18-FB04-19C6-B90E-331B0682C0C9}"/>
+              </a:ext>
+            </a:extLst>
+          </p:cNvPr>
+          <p:cNvPicPr>
+            <a:picLocks noChangeAspect="1"/>
+          </p:cNvPicPr>
+          <p:nvPr/>
+        </p:nvPicPr>
+        <p:blipFill>
+          <a:blip r:embed="rId2">
+            <a:extLst>
+              <a:ext uri="{28A0092B-C50C-407E-A947-70E740481C1C}">
+                <a14:useLocalDpi xmlns:a14="http://schemas.microsoft.com/office/drawing/2010/main" val="0"/>
+              </a:ext>
+            </a:extLst>
+          </a:blip>
+          <a:stretch>
+            <a:fillRect/>
+          </a:stretch>
+        </p:blipFill>
+        <p:spPr>
+          <a:xfrm>
+            <a:off x="179659" y="766646"/>
+            <a:ext cx="11832682" cy="5324707"/>
+          </a:xfrm>
+          <a:prstGeom prst="rect">
+            <a:avLst/>
+          </a:prstGeom>
+        </p:spPr>
+      </p:pic>
+    </p:spTree>
+    <p:extLst>
+      <p:ext uri="{BB962C8B-B14F-4D97-AF65-F5344CB8AC3E}">
+        <p14:creationId xmlns:p14="http://schemas.microsoft.com/office/powerpoint/2010/main" val="4287079255"/>
+      </p:ext>
+    </p:extLst>
+  </p:cSld>
+  <p:clrMapOvr>
+    <a:masterClrMapping/>
+  </p:clrMapOvr>
+</p:sld>
+</file>
+
+<file path=ppt/slides/slide11.xml><?xml version="1.0" encoding="utf-8"?>
+<p:sld xmlns:a="http://schemas.openxmlformats.org/drawingml/2006/main" xmlns:r="http://schemas.openxmlformats.org/officeDocument/2006/relationships" xmlns:p="http://schemas.openxmlformats.org/presentationml/2006/main">
+  <p:cSld>
+    <p:spTree>
+      <p:nvGrpSpPr>
+        <p:cNvPr id="1" name=""/>
+        <p:cNvGrpSpPr/>
+        <p:nvPr/>
+      </p:nvGrpSpPr>
+      <p:grpSpPr>
+        <a:xfrm>
+          <a:off x="0" y="0"/>
+          <a:ext cx="0" cy="0"/>
+          <a:chOff x="0" y="0"/>
+          <a:chExt cx="0" cy="0"/>
+        </a:xfrm>
+      </p:grpSpPr>
+      <p:pic>
+        <p:nvPicPr>
+          <p:cNvPr id="3" name="Picture 2">
+            <a:extLst>
+              <a:ext uri="{FF2B5EF4-FFF2-40B4-BE49-F238E27FC236}">
+                <a16:creationId xmlns:a16="http://schemas.microsoft.com/office/drawing/2014/main" id="{503610E3-AB51-A1BB-C09A-A0DB4626AC2A}"/>
+              </a:ext>
+            </a:extLst>
+          </p:cNvPr>
+          <p:cNvPicPr>
+            <a:picLocks noChangeAspect="1"/>
+          </p:cNvPicPr>
+          <p:nvPr/>
+        </p:nvPicPr>
+        <p:blipFill>
+          <a:blip r:embed="rId2">
+            <a:extLst>
+              <a:ext uri="{28A0092B-C50C-407E-A947-70E740481C1C}">
+                <a14:useLocalDpi xmlns:a14="http://schemas.microsoft.com/office/drawing/2010/main" val="0"/>
+              </a:ext>
+            </a:extLst>
+          </a:blip>
+          <a:stretch>
+            <a:fillRect/>
+          </a:stretch>
+        </p:blipFill>
+        <p:spPr>
+          <a:xfrm>
+            <a:off x="224883" y="786997"/>
+            <a:ext cx="11742234" cy="5284005"/>
+          </a:xfrm>
+          <a:prstGeom prst="rect">
+            <a:avLst/>
+          </a:prstGeom>
+        </p:spPr>
+      </p:pic>
+    </p:spTree>
+    <p:extLst>
+      <p:ext uri="{BB962C8B-B14F-4D97-AF65-F5344CB8AC3E}">
+        <p14:creationId xmlns:p14="http://schemas.microsoft.com/office/powerpoint/2010/main" val="1620330642"/>
+      </p:ext>
+    </p:extLst>
+  </p:cSld>
+  <p:clrMapOvr>
+    <a:masterClrMapping/>
+  </p:clrMapOvr>
+</p:sld>
+</file>
+
+<file path=ppt/slides/slide12.xml><?xml version="1.0" encoding="utf-8"?>
+<p:sld xmlns:a="http://schemas.openxmlformats.org/drawingml/2006/main" xmlns:r="http://schemas.openxmlformats.org/officeDocument/2006/relationships" xmlns:p="http://schemas.openxmlformats.org/presentationml/2006/main">
+  <p:cSld>
+    <p:spTree>
+      <p:nvGrpSpPr>
+        <p:cNvPr id="1" name=""/>
+        <p:cNvGrpSpPr/>
+        <p:nvPr/>
+      </p:nvGrpSpPr>
+      <p:grpSpPr>
+        <a:xfrm>
+          <a:off x="0" y="0"/>
+          <a:ext cx="0" cy="0"/>
+          <a:chOff x="0" y="0"/>
+          <a:chExt cx="0" cy="0"/>
+        </a:xfrm>
+      </p:grpSpPr>
+      <p:pic>
+        <p:nvPicPr>
+          <p:cNvPr id="3" name="Picture 2">
+            <a:extLst>
+              <a:ext uri="{FF2B5EF4-FFF2-40B4-BE49-F238E27FC236}">
+                <a16:creationId xmlns:a16="http://schemas.microsoft.com/office/drawing/2014/main" id="{44F5E65F-400A-ABFA-B6A0-A374F4E9966B}"/>
+              </a:ext>
+            </a:extLst>
+          </p:cNvPr>
+          <p:cNvPicPr>
+            <a:picLocks noChangeAspect="1"/>
+          </p:cNvPicPr>
+          <p:nvPr/>
+        </p:nvPicPr>
+        <p:blipFill rotWithShape="1">
+          <a:blip r:embed="rId2">
+            <a:extLst>
+              <a:ext uri="{28A0092B-C50C-407E-A947-70E740481C1C}">
+                <a14:useLocalDpi xmlns:a14="http://schemas.microsoft.com/office/drawing/2010/main" val="0"/>
+              </a:ext>
+            </a:extLst>
+          </a:blip>
+          <a:srcRect l="2177" r="2398"/>
+          <a:stretch/>
+        </p:blipFill>
+        <p:spPr>
+          <a:xfrm>
+            <a:off x="501805" y="797033"/>
+            <a:ext cx="11162371" cy="5263933"/>
+          </a:xfrm>
+          <a:prstGeom prst="rect">
+            <a:avLst/>
+          </a:prstGeom>
+        </p:spPr>
+      </p:pic>
+    </p:spTree>
+    <p:extLst>
+      <p:ext uri="{BB962C8B-B14F-4D97-AF65-F5344CB8AC3E}">
+        <p14:creationId xmlns:p14="http://schemas.microsoft.com/office/powerpoint/2010/main" val="2350068279"/>
+      </p:ext>
+    </p:extLst>
+  </p:cSld>
+  <p:clrMapOvr>
+    <a:masterClrMapping/>
+  </p:clrMapOvr>
+</p:sld>
+</file>
+
+<file path=ppt/slides/slide13.xml><?xml version="1.0" encoding="utf-8"?>
+<p:sld xmlns:a="http://schemas.openxmlformats.org/drawingml/2006/main" xmlns:r="http://schemas.openxmlformats.org/officeDocument/2006/relationships" xmlns:p="http://schemas.openxmlformats.org/presentationml/2006/main">
+  <p:cSld>
+    <p:spTree>
+      <p:nvGrpSpPr>
+        <p:cNvPr id="1" name=""/>
+        <p:cNvGrpSpPr/>
+        <p:nvPr/>
+      </p:nvGrpSpPr>
+      <p:grpSpPr>
+        <a:xfrm>
+          <a:off x="0" y="0"/>
+          <a:ext cx="0" cy="0"/>
+          <a:chOff x="0" y="0"/>
+          <a:chExt cx="0" cy="0"/>
+        </a:xfrm>
+      </p:grpSpPr>
+      <p:pic>
+        <p:nvPicPr>
+          <p:cNvPr id="3" name="Picture 2">
+            <a:extLst>
+              <a:ext uri="{FF2B5EF4-FFF2-40B4-BE49-F238E27FC236}">
+                <a16:creationId xmlns:a16="http://schemas.microsoft.com/office/drawing/2014/main" id="{D56D1E86-4115-9754-882A-038AAE944255}"/>
+              </a:ext>
+            </a:extLst>
+          </p:cNvPr>
+          <p:cNvPicPr>
+            <a:picLocks noChangeAspect="1"/>
+          </p:cNvPicPr>
+          <p:nvPr/>
+        </p:nvPicPr>
+        <p:blipFill>
+          <a:blip r:embed="rId2">
+            <a:extLst>
+              <a:ext uri="{28A0092B-C50C-407E-A947-70E740481C1C}">
+                <a14:useLocalDpi xmlns:a14="http://schemas.microsoft.com/office/drawing/2010/main" val="0"/>
+              </a:ext>
+            </a:extLst>
+          </a:blip>
+          <a:stretch>
+            <a:fillRect/>
+          </a:stretch>
+        </p:blipFill>
+        <p:spPr>
+          <a:xfrm>
+            <a:off x="208156" y="1024797"/>
+            <a:ext cx="11775688" cy="5299060"/>
+          </a:xfrm>
+          <a:prstGeom prst="rect">
+            <a:avLst/>
+          </a:prstGeom>
+        </p:spPr>
+      </p:pic>
+      <p:sp>
+        <p:nvSpPr>
+          <p:cNvPr id="4" name="Title 1">
+            <a:extLst>
+              <a:ext uri="{FF2B5EF4-FFF2-40B4-BE49-F238E27FC236}">
+                <a16:creationId xmlns:a16="http://schemas.microsoft.com/office/drawing/2014/main" id="{8981EF29-CF44-DA97-3650-DA7F43D8E3AE}"/>
+              </a:ext>
+            </a:extLst>
+          </p:cNvPr>
+          <p:cNvSpPr txBox="1">
+            <a:spLocks/>
+          </p:cNvSpPr>
+          <p:nvPr/>
+        </p:nvSpPr>
+        <p:spPr>
+          <a:xfrm>
+            <a:off x="838200" y="365125"/>
+            <a:ext cx="10515600" cy="1325563"/>
+          </a:xfrm>
+          <a:prstGeom prst="rect">
+            <a:avLst/>
+          </a:prstGeom>
+        </p:spPr>
+        <p:txBody>
+          <a:bodyPr>
+            <a:normAutofit/>
+          </a:bodyPr>
+          <a:lstStyle>
+            <a:lvl1pPr algn="l" defTabSz="914400" rtl="0" eaLnBrk="1" latinLnBrk="0" hangingPunct="1">
+              <a:lnSpc>
+                <a:spcPct val="90000"/>
+              </a:lnSpc>
+              <a:spcBef>
+                <a:spcPct val="0"/>
+              </a:spcBef>
+              <a:buNone/>
+              <a:defRPr sz="4400" kern="1200">
+                <a:solidFill>
+                  <a:schemeClr val="tx1"/>
+                </a:solidFill>
+                <a:latin typeface="+mj-lt"/>
+                <a:ea typeface="+mj-ea"/>
+                <a:cs typeface="+mj-cs"/>
+              </a:defRPr>
+            </a:lvl1pPr>
+          </a:lstStyle>
+          <a:p>
+            <a:r>
+              <a:rPr lang="en-US" sz="3600" b="1" dirty="0">
+                <a:effectLst>
+                  <a:outerShdw blurRad="38100" dist="38100" dir="2700000" algn="tl">
+                    <a:srgbClr val="000000">
+                      <a:alpha val="43137"/>
+                    </a:srgbClr>
+                  </a:outerShdw>
+                </a:effectLst>
+                <a:latin typeface="Times New Roman" panose="02020603050405020304" pitchFamily="18" charset="0"/>
+                <a:cs typeface="Times New Roman" panose="02020603050405020304" pitchFamily="18" charset="0"/>
+                <a:sym typeface="Franklin Gothic"/>
+              </a:rPr>
+              <a:t>User Dashboard</a:t>
+            </a:r>
+          </a:p>
+        </p:txBody>
+      </p:sp>
+    </p:spTree>
+    <p:extLst>
+      <p:ext uri="{BB962C8B-B14F-4D97-AF65-F5344CB8AC3E}">
+        <p14:creationId xmlns:p14="http://schemas.microsoft.com/office/powerpoint/2010/main" val="447337770"/>
+      </p:ext>
+    </p:extLst>
+  </p:cSld>
+  <p:clrMapOvr>
+    <a:masterClrMapping/>
+  </p:clrMapOvr>
+</p:sld>
+</file>
+
+<file path=ppt/slides/slide14.xml><?xml version="1.0" encoding="utf-8"?>
+<p:sld xmlns:a="http://schemas.openxmlformats.org/drawingml/2006/main" xmlns:r="http://schemas.openxmlformats.org/officeDocument/2006/relationships" xmlns:p="http://schemas.openxmlformats.org/presentationml/2006/main">
+  <p:cSld>
+    <p:spTree>
+      <p:nvGrpSpPr>
+        <p:cNvPr id="1" name=""/>
+        <p:cNvGrpSpPr/>
+        <p:nvPr/>
+      </p:nvGrpSpPr>
+      <p:grpSpPr>
+        <a:xfrm>
+          <a:off x="0" y="0"/>
+          <a:ext cx="0" cy="0"/>
+          <a:chOff x="0" y="0"/>
+          <a:chExt cx="0" cy="0"/>
+        </a:xfrm>
+      </p:grpSpPr>
+      <p:pic>
+        <p:nvPicPr>
+          <p:cNvPr id="3" name="Picture 2">
+            <a:extLst>
+              <a:ext uri="{FF2B5EF4-FFF2-40B4-BE49-F238E27FC236}">
+                <a16:creationId xmlns:a16="http://schemas.microsoft.com/office/drawing/2014/main" id="{CEF58CB5-C7CD-9387-67C1-85EDBC98DFA1}"/>
+              </a:ext>
+            </a:extLst>
+          </p:cNvPr>
+          <p:cNvPicPr>
+            <a:picLocks noChangeAspect="1"/>
+          </p:cNvPicPr>
+          <p:nvPr/>
+        </p:nvPicPr>
+        <p:blipFill rotWithShape="1">
+          <a:blip r:embed="rId2">
+            <a:extLst>
+              <a:ext uri="{28A0092B-C50C-407E-A947-70E740481C1C}">
+                <a14:useLocalDpi xmlns:a14="http://schemas.microsoft.com/office/drawing/2010/main" val="0"/>
+              </a:ext>
+            </a:extLst>
+          </a:blip>
+          <a:srcRect l="2177" r="2674"/>
+          <a:stretch/>
+        </p:blipFill>
+        <p:spPr>
+          <a:xfrm>
+            <a:off x="408878" y="739326"/>
+            <a:ext cx="11374244" cy="5379348"/>
+          </a:xfrm>
+          <a:prstGeom prst="rect">
+            <a:avLst/>
+          </a:prstGeom>
+        </p:spPr>
+      </p:pic>
+    </p:spTree>
+    <p:extLst>
+      <p:ext uri="{BB962C8B-B14F-4D97-AF65-F5344CB8AC3E}">
+        <p14:creationId xmlns:p14="http://schemas.microsoft.com/office/powerpoint/2010/main" val="3399737658"/>
+      </p:ext>
+    </p:extLst>
+  </p:cSld>
+  <p:clrMapOvr>
+    <a:masterClrMapping/>
+  </p:clrMapOvr>
+</p:sld>
+</file>
+
+<file path=ppt/slides/slide15.xml><?xml version="1.0" encoding="utf-8"?>
+<p:sld xmlns:a="http://schemas.openxmlformats.org/drawingml/2006/main" xmlns:r="http://schemas.openxmlformats.org/officeDocument/2006/relationships" xmlns:p="http://schemas.openxmlformats.org/presentationml/2006/main">
+  <p:cSld>
+    <p:spTree>
+      <p:nvGrpSpPr>
+        <p:cNvPr id="1" name=""/>
+        <p:cNvGrpSpPr/>
+        <p:nvPr/>
+      </p:nvGrpSpPr>
+      <p:grpSpPr>
+        <a:xfrm>
+          <a:off x="0" y="0"/>
+          <a:ext cx="0" cy="0"/>
+          <a:chOff x="0" y="0"/>
+          <a:chExt cx="0" cy="0"/>
+        </a:xfrm>
+      </p:grpSpPr>
+      <p:pic>
+        <p:nvPicPr>
+          <p:cNvPr id="3" name="Picture 2">
+            <a:extLst>
+              <a:ext uri="{FF2B5EF4-FFF2-40B4-BE49-F238E27FC236}">
+                <a16:creationId xmlns:a16="http://schemas.microsoft.com/office/drawing/2014/main" id="{85C03FA8-2A0A-15EB-97A0-FA51204E48CA}"/>
+              </a:ext>
+            </a:extLst>
+          </p:cNvPr>
+          <p:cNvPicPr>
+            <a:picLocks noChangeAspect="1"/>
+          </p:cNvPicPr>
+          <p:nvPr/>
+        </p:nvPicPr>
+        <p:blipFill rotWithShape="1">
+          <a:blip r:embed="rId2">
+            <a:extLst>
+              <a:ext uri="{28A0092B-C50C-407E-A947-70E740481C1C}">
+                <a14:useLocalDpi xmlns:a14="http://schemas.microsoft.com/office/drawing/2010/main" val="0"/>
+              </a:ext>
+            </a:extLst>
+          </a:blip>
+          <a:srcRect l="2194" r="2683"/>
+          <a:stretch/>
+        </p:blipFill>
+        <p:spPr>
+          <a:xfrm>
+            <a:off x="297365" y="685800"/>
+            <a:ext cx="11597270" cy="5486400"/>
+          </a:xfrm>
+          <a:prstGeom prst="rect">
+            <a:avLst/>
+          </a:prstGeom>
+        </p:spPr>
+      </p:pic>
+    </p:spTree>
+    <p:extLst>
+      <p:ext uri="{BB962C8B-B14F-4D97-AF65-F5344CB8AC3E}">
+        <p14:creationId xmlns:p14="http://schemas.microsoft.com/office/powerpoint/2010/main" val="2008752262"/>
+      </p:ext>
+    </p:extLst>
+  </p:cSld>
+  <p:clrMapOvr>
+    <a:masterClrMapping/>
+  </p:clrMapOvr>
+</p:sld>
+</file>
+
+<file path=ppt/slides/slide16.xml><?xml version="1.0" encoding="utf-8"?>
+<p:sld xmlns:a="http://schemas.openxmlformats.org/drawingml/2006/main" xmlns:r="http://schemas.openxmlformats.org/officeDocument/2006/relationships" xmlns:p="http://schemas.openxmlformats.org/presentationml/2006/main">
+  <p:cSld>
+    <p:spTree>
+      <p:nvGrpSpPr>
+        <p:cNvPr id="1" name=""/>
+        <p:cNvGrpSpPr/>
+        <p:nvPr/>
+      </p:nvGrpSpPr>
+      <p:grpSpPr>
+        <a:xfrm>
+          <a:off x="0" y="0"/>
+          <a:ext cx="0" cy="0"/>
+          <a:chOff x="0" y="0"/>
+          <a:chExt cx="0" cy="0"/>
+        </a:xfrm>
+      </p:grpSpPr>
+      <p:sp>
+        <p:nvSpPr>
+          <p:cNvPr id="2" name="Title 1">
+            <a:extLst>
+              <a:ext uri="{FF2B5EF4-FFF2-40B4-BE49-F238E27FC236}">
+                <a16:creationId xmlns:a16="http://schemas.microsoft.com/office/drawing/2014/main" id="{577BBD39-7570-9374-3F39-AC6B3C4E7AF9}"/>
+              </a:ext>
+            </a:extLst>
+          </p:cNvPr>
+          <p:cNvSpPr txBox="1">
+            <a:spLocks/>
+          </p:cNvSpPr>
+          <p:nvPr/>
+        </p:nvSpPr>
+        <p:spPr>
+          <a:xfrm>
+            <a:off x="838200" y="2766218"/>
+            <a:ext cx="10515600" cy="1325563"/>
+          </a:xfrm>
+          <a:prstGeom prst="rect">
+            <a:avLst/>
+          </a:prstGeom>
+        </p:spPr>
+        <p:txBody>
+          <a:bodyPr>
+            <a:normAutofit/>
+          </a:bodyPr>
+          <a:lstStyle>
+            <a:lvl1pPr algn="l" defTabSz="914400" rtl="0" eaLnBrk="1" latinLnBrk="0" hangingPunct="1">
+              <a:lnSpc>
+                <a:spcPct val="90000"/>
+              </a:lnSpc>
+              <a:spcBef>
+                <a:spcPct val="0"/>
+              </a:spcBef>
+              <a:buNone/>
+              <a:defRPr sz="4400" kern="1200">
+                <a:solidFill>
+                  <a:schemeClr val="tx1"/>
+                </a:solidFill>
+                <a:latin typeface="+mj-lt"/>
+                <a:ea typeface="+mj-ea"/>
+                <a:cs typeface="+mj-cs"/>
+              </a:defRPr>
+            </a:lvl1pPr>
+          </a:lstStyle>
+          <a:p>
+            <a:pPr algn="ctr"/>
+            <a:r>
+              <a:rPr lang="en-US" sz="7200" b="1" dirty="0">
+                <a:effectLst>
+                  <a:outerShdw blurRad="38100" dist="38100" dir="2700000" algn="tl">
+                    <a:srgbClr val="000000">
+                      <a:alpha val="43137"/>
+                    </a:srgbClr>
+                  </a:outerShdw>
+                </a:effectLst>
+                <a:latin typeface="Times New Roman" panose="02020603050405020304" pitchFamily="18" charset="0"/>
+                <a:cs typeface="Times New Roman" panose="02020603050405020304" pitchFamily="18" charset="0"/>
+                <a:sym typeface="Franklin Gothic"/>
+              </a:rPr>
+              <a:t>Thank You!</a:t>
+            </a:r>
+          </a:p>
+        </p:txBody>
+      </p:sp>
+    </p:spTree>
+    <p:extLst>
+      <p:ext uri="{BB962C8B-B14F-4D97-AF65-F5344CB8AC3E}">
+        <p14:creationId xmlns:p14="http://schemas.microsoft.com/office/powerpoint/2010/main" val="1019237572"/>
+      </p:ext>
+    </p:extLst>
+  </p:cSld>
+  <p:clrMapOvr>
+    <a:masterClrMapping/>
+  </p:clrMapOvr>
+</p:sld>
+</file>
+
 <file path=ppt/slides/slide2.xml><?xml version="1.0" encoding="utf-8"?>
 <p:sld xmlns:a="http://schemas.openxmlformats.org/drawingml/2006/main" xmlns:r="http://schemas.openxmlformats.org/officeDocument/2006/relationships" xmlns:p="http://schemas.openxmlformats.org/presentationml/2006/main">
   <p:cSld>
@@ -3904,7 +4467,9 @@
           </a:xfrm>
         </p:spPr>
         <p:txBody>
-          <a:bodyPr/>
+          <a:bodyPr>
+            <a:normAutofit lnSpcReduction="10000"/>
+          </a:bodyPr>
           <a:lstStyle/>
           <a:p>
             <a:pPr algn="just"/>
@@ -3929,7 +4494,7 @@
                 <a:latin typeface="Times New Roman" panose="02020603050405020304" pitchFamily="18" charset="0"/>
                 <a:cs typeface="Times New Roman" panose="02020603050405020304" pitchFamily="18" charset="0"/>
               </a:rPr>
-              <a:t>exploratory data analysis is performed on the dataset to analyze trends.</a:t>
+              <a:t>Exploratory data analysis is performed on the dataset to analyze trends.</a:t>
             </a:r>
           </a:p>
           <a:p>
@@ -4244,7 +4809,7 @@
         </p:spPr>
         <p:txBody>
           <a:bodyPr>
-            <a:normAutofit fontScale="92500" lnSpcReduction="10000"/>
+            <a:normAutofit lnSpcReduction="10000"/>
           </a:bodyPr>
           <a:lstStyle/>
           <a:p>
@@ -4269,12 +4834,16 @@
           <a:p>
             <a:pPr lvl="1"/>
             <a:r>
-              <a:rPr lang="en-US" dirty="0">
+              <a:rPr lang="en-US" dirty="0" err="1">
                 <a:latin typeface="Times New Roman" panose="02020603050405020304" pitchFamily="18" charset="0"/>
                 <a:cs typeface="Times New Roman" panose="02020603050405020304" pitchFamily="18" charset="0"/>
               </a:rPr>
-              <a:t>Seaborn</a:t>
-            </a:r>
+              <a:t>Plotly</a:t>
+            </a:r>
+            <a:endParaRPr lang="en-US" dirty="0">
+              <a:latin typeface="Times New Roman" panose="02020603050405020304" pitchFamily="18" charset="0"/>
+              <a:cs typeface="Times New Roman" panose="02020603050405020304" pitchFamily="18" charset="0"/>
+            </a:endParaRPr>
           </a:p>
           <a:p>
             <a:pPr lvl="1"/>
@@ -4287,13 +4856,58 @@
             </a:r>
           </a:p>
           <a:p>
-            <a:pPr lvl="0"/>
+            <a:pPr lvl="1"/>
             <a:r>
               <a:rPr lang="en-US" dirty="0">
                 <a:latin typeface="Times New Roman" panose="02020603050405020304" pitchFamily="18" charset="0"/>
                 <a:cs typeface="Times New Roman" panose="02020603050405020304" pitchFamily="18" charset="0"/>
               </a:rPr>
-              <a:t>website-</a:t>
+              <a:t>Flask</a:t>
+            </a:r>
+          </a:p>
+          <a:p>
+            <a:pPr lvl="1"/>
+            <a:r>
+              <a:rPr lang="en-US" dirty="0" err="1">
+                <a:latin typeface="Times New Roman" panose="02020603050405020304" pitchFamily="18" charset="0"/>
+                <a:cs typeface="Times New Roman" panose="02020603050405020304" pitchFamily="18" charset="0"/>
+              </a:rPr>
+              <a:t>Streamlit</a:t>
+            </a:r>
+            <a:endParaRPr lang="en-US" dirty="0">
+              <a:latin typeface="Times New Roman" panose="02020603050405020304" pitchFamily="18" charset="0"/>
+              <a:cs typeface="Times New Roman" panose="02020603050405020304" pitchFamily="18" charset="0"/>
+            </a:endParaRPr>
+          </a:p>
+          <a:p>
+            <a:pPr lvl="1"/>
+            <a:r>
+              <a:rPr lang="en-US" dirty="0" err="1">
+                <a:latin typeface="Times New Roman" panose="02020603050405020304" pitchFamily="18" charset="0"/>
+                <a:cs typeface="Times New Roman" panose="02020603050405020304" pitchFamily="18" charset="0"/>
+              </a:rPr>
+              <a:t>Langchain</a:t>
+            </a:r>
+            <a:endParaRPr lang="en-US" dirty="0">
+              <a:latin typeface="Times New Roman" panose="02020603050405020304" pitchFamily="18" charset="0"/>
+              <a:cs typeface="Times New Roman" panose="02020603050405020304" pitchFamily="18" charset="0"/>
+            </a:endParaRPr>
+          </a:p>
+          <a:p>
+            <a:pPr lvl="1"/>
+            <a:endParaRPr lang="en-US" dirty="0">
+              <a:latin typeface="Times New Roman" panose="02020603050405020304" pitchFamily="18" charset="0"/>
+              <a:cs typeface="Times New Roman" panose="02020603050405020304" pitchFamily="18" charset="0"/>
+            </a:endParaRPr>
+          </a:p>
+          <a:p>
+            <a:pPr lvl="0"/>
+            <a:r>
+              <a:rPr lang="en-US" dirty="0">
+                <a:latin typeface="Times New Roman" panose="02020603050405020304" pitchFamily="18" charset="0"/>
+                <a:cs typeface="Times New Roman" panose="02020603050405020304" pitchFamily="18" charset="0"/>
+              </a:rPr>
+              <a:t>Website-</a:t>
             </a:r>
           </a:p>
           <a:p>
@@ -4309,17 +4923,6 @@
           <a:p>
             <a:pPr lvl="1"/>
             <a:r>
-              <a:rPr lang="en-US" dirty="0">
-                <a:latin typeface="Times New Roman" panose="02020603050405020304" pitchFamily="18" charset="0"/>
-                <a:cs typeface="Times New Roman" panose="02020603050405020304" pitchFamily="18" charset="0"/>
-                <a:sym typeface="+mn-ea"/>
-              </a:rPr>
-              <a:t>Redux</a:t>
-            </a:r>
-          </a:p>
-          <a:p>
-            <a:pPr lvl="1"/>
-            <a:r>
               <a:rPr lang="en-US" sz="2400" dirty="0">
                 <a:latin typeface="Times New Roman" panose="02020603050405020304" pitchFamily="18" charset="0"/>
                 <a:cs typeface="Times New Roman" panose="02020603050405020304" pitchFamily="18" charset="0"/>
@@ -4341,16 +4944,6 @@
           <a:p>
             <a:pPr lvl="1"/>
             <a:r>
-              <a:rPr lang="en-US" sz="2400" dirty="0">
-                <a:latin typeface="Times New Roman" panose="02020603050405020304" pitchFamily="18" charset="0"/>
-                <a:cs typeface="Times New Roman" panose="02020603050405020304" pitchFamily="18" charset="0"/>
-              </a:rPr>
-              <a:t>Clerk (User Management and Authentication)</a:t>
-            </a:r>
-          </a:p>
-          <a:p>
-            <a:pPr lvl="1"/>
-            <a:r>
               <a:rPr lang="en-US" dirty="0">
                 <a:latin typeface="Times New Roman" panose="02020603050405020304" pitchFamily="18" charset="0"/>
                 <a:cs typeface="Times New Roman" panose="02020603050405020304" pitchFamily="18" charset="0"/>
@@ -4371,51 +4964,6 @@
               </a:rPr>
               <a:t>)</a:t>
             </a:r>
-          </a:p>
-          <a:p>
-            <a:pPr lvl="1"/>
-            <a:r>
-              <a:rPr lang="en-US" dirty="0" err="1">
-                <a:latin typeface="Times New Roman" panose="02020603050405020304" pitchFamily="18" charset="0"/>
-                <a:cs typeface="Times New Roman" panose="02020603050405020304" pitchFamily="18" charset="0"/>
-              </a:rPr>
-              <a:t>NodeJs</a:t>
-            </a:r>
-            <a:endParaRPr lang="en-US" dirty="0">
-              <a:latin typeface="Times New Roman" panose="02020603050405020304" pitchFamily="18" charset="0"/>
-              <a:cs typeface="Times New Roman" panose="02020603050405020304" pitchFamily="18" charset="0"/>
-            </a:endParaRPr>
-          </a:p>
-          <a:p>
-            <a:pPr lvl="1"/>
-            <a:r>
-              <a:rPr lang="en-US" dirty="0" err="1">
-                <a:latin typeface="Times New Roman" panose="02020603050405020304" pitchFamily="18" charset="0"/>
-                <a:cs typeface="Times New Roman" panose="02020603050405020304" pitchFamily="18" charset="0"/>
-              </a:rPr>
-              <a:t>ExpressJs</a:t>
-            </a:r>
-            <a:endParaRPr lang="en-US" dirty="0">
-              <a:latin typeface="Times New Roman" panose="02020603050405020304" pitchFamily="18" charset="0"/>
-              <a:cs typeface="Times New Roman" panose="02020603050405020304" pitchFamily="18" charset="0"/>
-            </a:endParaRPr>
-          </a:p>
-          <a:p>
-            <a:pPr lvl="1"/>
-            <a:r>
-              <a:rPr lang="en-US" dirty="0">
-                <a:latin typeface="Times New Roman" panose="02020603050405020304" pitchFamily="18" charset="0"/>
-                <a:cs typeface="Times New Roman" panose="02020603050405020304" pitchFamily="18" charset="0"/>
-              </a:rPr>
-              <a:t>MongoDB</a:t>
-            </a:r>
-          </a:p>
-          <a:p>
-            <a:pPr lvl="1"/>
-            <a:endParaRPr lang="en-US" dirty="0">
-              <a:latin typeface="Times New Roman" panose="02020603050405020304" pitchFamily="18" charset="0"/>
-              <a:cs typeface="Times New Roman" panose="02020603050405020304" pitchFamily="18" charset="0"/>
-            </a:endParaRPr>
           </a:p>
           <a:p>
             <a:pPr marL="457200" lvl="1" indent="0">
@@ -4641,6 +5189,278 @@
     <p:extLst>
       <p:ext uri="{BB962C8B-B14F-4D97-AF65-F5344CB8AC3E}">
         <p14:creationId xmlns:p14="http://schemas.microsoft.com/office/powerpoint/2010/main" val="1293994327"/>
+      </p:ext>
+    </p:extLst>
+  </p:cSld>
+  <p:clrMapOvr>
+    <a:masterClrMapping/>
+  </p:clrMapOvr>
+</p:sld>
+</file>
+
+<file path=ppt/slides/slide8.xml><?xml version="1.0" encoding="utf-8"?>
+<p:sld xmlns:a="http://schemas.openxmlformats.org/drawingml/2006/main" xmlns:r="http://schemas.openxmlformats.org/officeDocument/2006/relationships" xmlns:p="http://schemas.openxmlformats.org/presentationml/2006/main">
+  <p:cSld>
+    <p:spTree>
+      <p:nvGrpSpPr>
+        <p:cNvPr id="1" name=""/>
+        <p:cNvGrpSpPr/>
+        <p:nvPr/>
+      </p:nvGrpSpPr>
+      <p:grpSpPr>
+        <a:xfrm>
+          <a:off x="0" y="0"/>
+          <a:ext cx="0" cy="0"/>
+          <a:chOff x="0" y="0"/>
+          <a:chExt cx="0" cy="0"/>
+        </a:xfrm>
+      </p:grpSpPr>
+      <p:sp>
+        <p:nvSpPr>
+          <p:cNvPr id="2" name="Title 1">
+            <a:extLst>
+              <a:ext uri="{FF2B5EF4-FFF2-40B4-BE49-F238E27FC236}">
+                <a16:creationId xmlns:a16="http://schemas.microsoft.com/office/drawing/2014/main" id="{0A16F02A-3D86-4708-5F8F-4332E2492058}"/>
+              </a:ext>
+            </a:extLst>
+          </p:cNvPr>
+          <p:cNvSpPr txBox="1">
+            <a:spLocks/>
+          </p:cNvSpPr>
+          <p:nvPr/>
+        </p:nvSpPr>
+        <p:spPr>
+          <a:xfrm>
+            <a:off x="838200" y="365125"/>
+            <a:ext cx="10515600" cy="1325563"/>
+          </a:xfrm>
+          <a:prstGeom prst="rect">
+            <a:avLst/>
+          </a:prstGeom>
+        </p:spPr>
+        <p:txBody>
+          <a:bodyPr>
+            <a:normAutofit/>
+          </a:bodyPr>
+          <a:lstStyle>
+            <a:lvl1pPr algn="l" defTabSz="914400" rtl="0" eaLnBrk="1" latinLnBrk="0" hangingPunct="1">
+              <a:lnSpc>
+                <a:spcPct val="90000"/>
+              </a:lnSpc>
+              <a:spcBef>
+                <a:spcPct val="0"/>
+              </a:spcBef>
+              <a:buNone/>
+              <a:defRPr sz="4400" kern="1200">
+                <a:solidFill>
+                  <a:schemeClr val="tx1"/>
+                </a:solidFill>
+                <a:latin typeface="+mj-lt"/>
+                <a:ea typeface="+mj-ea"/>
+                <a:cs typeface="+mj-cs"/>
+              </a:defRPr>
+            </a:lvl1pPr>
+          </a:lstStyle>
+          <a:p>
+            <a:r>
+              <a:rPr lang="en-US" sz="3600" b="1" dirty="0">
+                <a:effectLst>
+                  <a:outerShdw blurRad="38100" dist="38100" dir="2700000" algn="tl">
+                    <a:srgbClr val="000000">
+                      <a:alpha val="43137"/>
+                    </a:srgbClr>
+                  </a:outerShdw>
+                </a:effectLst>
+                <a:latin typeface="Times New Roman" panose="02020603050405020304" pitchFamily="18" charset="0"/>
+                <a:cs typeface="Times New Roman" panose="02020603050405020304" pitchFamily="18" charset="0"/>
+                <a:sym typeface="Franklin Gothic"/>
+              </a:rPr>
+              <a:t>Home Page</a:t>
+            </a:r>
+            <a:endParaRPr lang="en-US" sz="3600" b="1" dirty="0">
+              <a:effectLst>
+                <a:outerShdw blurRad="38100" dist="38100" dir="2700000" algn="tl">
+                  <a:srgbClr val="000000">
+                    <a:alpha val="43137"/>
+                  </a:srgbClr>
+                </a:outerShdw>
+              </a:effectLst>
+              <a:latin typeface="Times New Roman" panose="02020603050405020304" pitchFamily="18" charset="0"/>
+              <a:cs typeface="Times New Roman" panose="02020603050405020304" pitchFamily="18" charset="0"/>
+            </a:endParaRPr>
+          </a:p>
+        </p:txBody>
+      </p:sp>
+      <p:pic>
+        <p:nvPicPr>
+          <p:cNvPr id="6" name="Picture 5">
+            <a:extLst>
+              <a:ext uri="{FF2B5EF4-FFF2-40B4-BE49-F238E27FC236}">
+                <a16:creationId xmlns:a16="http://schemas.microsoft.com/office/drawing/2014/main" id="{16CB23DF-C0A9-EE9B-3BE7-6B94F03A2F35}"/>
+              </a:ext>
+            </a:extLst>
+          </p:cNvPr>
+          <p:cNvPicPr>
+            <a:picLocks noChangeAspect="1"/>
+          </p:cNvPicPr>
+          <p:nvPr/>
+        </p:nvPicPr>
+        <p:blipFill rotWithShape="1">
+          <a:blip r:embed="rId2">
+            <a:extLst>
+              <a:ext uri="{28A0092B-C50C-407E-A947-70E740481C1C}">
+                <a14:useLocalDpi xmlns:a14="http://schemas.microsoft.com/office/drawing/2010/main" val="0"/>
+              </a:ext>
+            </a:extLst>
+          </a:blip>
+          <a:srcRect l="2013" r="2774"/>
+          <a:stretch/>
+        </p:blipFill>
+        <p:spPr>
+          <a:xfrm>
+            <a:off x="291790" y="1027906"/>
+            <a:ext cx="11608419" cy="5486400"/>
+          </a:xfrm>
+          <a:prstGeom prst="rect">
+            <a:avLst/>
+          </a:prstGeom>
+        </p:spPr>
+      </p:pic>
+    </p:spTree>
+    <p:extLst>
+      <p:ext uri="{BB962C8B-B14F-4D97-AF65-F5344CB8AC3E}">
+        <p14:creationId xmlns:p14="http://schemas.microsoft.com/office/powerpoint/2010/main" val="3323462399"/>
+      </p:ext>
+    </p:extLst>
+  </p:cSld>
+  <p:clrMapOvr>
+    <a:masterClrMapping/>
+  </p:clrMapOvr>
+</p:sld>
+</file>
+
+<file path=ppt/slides/slide9.xml><?xml version="1.0" encoding="utf-8"?>
+<p:sld xmlns:a="http://schemas.openxmlformats.org/drawingml/2006/main" xmlns:r="http://schemas.openxmlformats.org/officeDocument/2006/relationships" xmlns:p="http://schemas.openxmlformats.org/presentationml/2006/main">
+  <p:cSld>
+    <p:spTree>
+      <p:nvGrpSpPr>
+        <p:cNvPr id="1" name=""/>
+        <p:cNvGrpSpPr/>
+        <p:nvPr/>
+      </p:nvGrpSpPr>
+      <p:grpSpPr>
+        <a:xfrm>
+          <a:off x="0" y="0"/>
+          <a:ext cx="0" cy="0"/>
+          <a:chOff x="0" y="0"/>
+          <a:chExt cx="0" cy="0"/>
+        </a:xfrm>
+      </p:grpSpPr>
+      <p:pic>
+        <p:nvPicPr>
+          <p:cNvPr id="3" name="Picture 2">
+            <a:extLst>
+              <a:ext uri="{FF2B5EF4-FFF2-40B4-BE49-F238E27FC236}">
+                <a16:creationId xmlns:a16="http://schemas.microsoft.com/office/drawing/2014/main" id="{32B011DA-D33E-0592-5D32-470FA8F0A9A0}"/>
+              </a:ext>
+            </a:extLst>
+          </p:cNvPr>
+          <p:cNvPicPr>
+            <a:picLocks noChangeAspect="1"/>
+          </p:cNvPicPr>
+          <p:nvPr/>
+        </p:nvPicPr>
+        <p:blipFill>
+          <a:blip r:embed="rId2">
+            <a:extLst>
+              <a:ext uri="{28A0092B-C50C-407E-A947-70E740481C1C}">
+                <a14:useLocalDpi xmlns:a14="http://schemas.microsoft.com/office/drawing/2010/main" val="0"/>
+              </a:ext>
+            </a:extLst>
+          </a:blip>
+          <a:stretch>
+            <a:fillRect/>
+          </a:stretch>
+        </p:blipFill>
+        <p:spPr>
+          <a:xfrm>
+            <a:off x="386575" y="1155824"/>
+            <a:ext cx="11441151" cy="5148518"/>
+          </a:xfrm>
+          <a:prstGeom prst="rect">
+            <a:avLst/>
+          </a:prstGeom>
+        </p:spPr>
+      </p:pic>
+      <p:sp>
+        <p:nvSpPr>
+          <p:cNvPr id="4" name="Title 1">
+            <a:extLst>
+              <a:ext uri="{FF2B5EF4-FFF2-40B4-BE49-F238E27FC236}">
+                <a16:creationId xmlns:a16="http://schemas.microsoft.com/office/drawing/2014/main" id="{337C1F3C-E66C-9D3D-FFD8-DAE5779C050B}"/>
+              </a:ext>
+            </a:extLst>
+          </p:cNvPr>
+          <p:cNvSpPr txBox="1">
+            <a:spLocks/>
+          </p:cNvSpPr>
+          <p:nvPr/>
+        </p:nvSpPr>
+        <p:spPr>
+          <a:xfrm>
+            <a:off x="838200" y="365125"/>
+            <a:ext cx="10515600" cy="1325563"/>
+          </a:xfrm>
+          <a:prstGeom prst="rect">
+            <a:avLst/>
+          </a:prstGeom>
+        </p:spPr>
+        <p:txBody>
+          <a:bodyPr>
+            <a:normAutofit/>
+          </a:bodyPr>
+          <a:lstStyle>
+            <a:lvl1pPr algn="l" defTabSz="914400" rtl="0" eaLnBrk="1" latinLnBrk="0" hangingPunct="1">
+              <a:lnSpc>
+                <a:spcPct val="90000"/>
+              </a:lnSpc>
+              <a:spcBef>
+                <a:spcPct val="0"/>
+              </a:spcBef>
+              <a:buNone/>
+              <a:defRPr sz="4400" kern="1200">
+                <a:solidFill>
+                  <a:schemeClr val="tx1"/>
+                </a:solidFill>
+                <a:latin typeface="+mj-lt"/>
+                <a:ea typeface="+mj-ea"/>
+                <a:cs typeface="+mj-cs"/>
+              </a:defRPr>
+            </a:lvl1pPr>
+          </a:lstStyle>
+          <a:p>
+            <a:r>
+              <a:rPr lang="en-US" sz="3600" b="1" dirty="0">
+                <a:effectLst>
+                  <a:outerShdw blurRad="38100" dist="38100" dir="2700000" algn="tl">
+                    <a:srgbClr val="000000">
+                      <a:alpha val="43137"/>
+                    </a:srgbClr>
+                  </a:outerShdw>
+                </a:effectLst>
+                <a:latin typeface="Times New Roman" panose="02020603050405020304" pitchFamily="18" charset="0"/>
+                <a:cs typeface="Times New Roman" panose="02020603050405020304" pitchFamily="18" charset="0"/>
+                <a:sym typeface="Franklin Gothic"/>
+              </a:rPr>
+              <a:t>Data Analysis &amp; Visualizations</a:t>
+            </a:r>
+          </a:p>
+        </p:txBody>
+      </p:sp>
+    </p:spTree>
+    <p:extLst>
+      <p:ext uri="{BB962C8B-B14F-4D97-AF65-F5344CB8AC3E}">
+        <p14:creationId xmlns:p14="http://schemas.microsoft.com/office/powerpoint/2010/main" val="3291733174"/>
       </p:ext>
     </p:extLst>
   </p:cSld>
